--- a/HW4/pingpong報告.pptx
+++ b/HW4/pingpong報告.pptx
@@ -5,10 +5,10 @@
     <p:sldMasterId id="2147483648" r:id="rId1"/>
   </p:sldMasterIdLst>
   <p:notesMasterIdLst>
-    <p:notesMasterId r:id="rId13"/>
+    <p:notesMasterId r:id="rId15"/>
   </p:notesMasterIdLst>
   <p:handoutMasterIdLst>
-    <p:handoutMasterId r:id="rId14"/>
+    <p:handoutMasterId r:id="rId16"/>
   </p:handoutMasterIdLst>
   <p:sldIdLst>
     <p:sldId id="259" r:id="rId2"/>
@@ -22,6 +22,8 @@
     <p:sldId id="267" r:id="rId10"/>
     <p:sldId id="269" r:id="rId11"/>
     <p:sldId id="268" r:id="rId12"/>
+    <p:sldId id="271" r:id="rId13"/>
+    <p:sldId id="270" r:id="rId14"/>
   </p:sldIdLst>
   <p:sldSz cx="12192000" cy="6858000"/>
   <p:notesSz cx="6858000" cy="9144000"/>
@@ -140,6 +142,12 @@
             <p14:sldId id="267"/>
             <p14:sldId id="269"/>
             <p14:sldId id="268"/>
+          </p14:sldIdLst>
+        </p14:section>
+        <p14:section name="修改版" id="{B2E4B9B4-4939-4ED4-B0EF-C3DA5D862633}">
+          <p14:sldIdLst>
+            <p14:sldId id="271"/>
+            <p14:sldId id="270"/>
           </p14:sldIdLst>
         </p14:section>
       </p14:sectionLst>
@@ -5926,6 +5934,529 @@
 </p:sld>
 </file>
 
+<file path=ppt/slides/slide12.xml><?xml version="1.0" encoding="utf-8"?>
+<p:sld xmlns:a="http://schemas.openxmlformats.org/drawingml/2006/main" xmlns:r="http://schemas.openxmlformats.org/officeDocument/2006/relationships" xmlns:p="http://schemas.openxmlformats.org/presentationml/2006/main">
+  <p:cSld>
+    <p:spTree>
+      <p:nvGrpSpPr>
+        <p:cNvPr id="1" name=""/>
+        <p:cNvGrpSpPr/>
+        <p:nvPr/>
+      </p:nvGrpSpPr>
+      <p:grpSpPr>
+        <a:xfrm>
+          <a:off x="0" y="0"/>
+          <a:ext cx="0" cy="0"/>
+          <a:chOff x="0" y="0"/>
+          <a:chExt cx="0" cy="0"/>
+        </a:xfrm>
+      </p:grpSpPr>
+      <p:sp>
+        <p:nvSpPr>
+          <p:cNvPr id="3" name="標題 2">
+            <a:extLst>
+              <a:ext uri="{FF2B5EF4-FFF2-40B4-BE49-F238E27FC236}">
+                <a16:creationId xmlns:a16="http://schemas.microsoft.com/office/drawing/2014/main" id="{83165B05-C070-F00C-F853-A4990E6ECC41}"/>
+              </a:ext>
+            </a:extLst>
+          </p:cNvPr>
+          <p:cNvSpPr>
+            <a:spLocks noGrp="1"/>
+          </p:cNvSpPr>
+          <p:nvPr>
+            <p:ph type="title"/>
+          </p:nvPr>
+        </p:nvSpPr>
+        <p:spPr/>
+        <p:txBody>
+          <a:bodyPr/>
+          <a:lstStyle/>
+          <a:p>
+            <a:r>
+              <a:rPr lang="en-US" altLang="zh-TW" dirty="0"/>
+              <a:t>state assignment</a:t>
+            </a:r>
+            <a:endParaRPr lang="zh-TW" altLang="en-US" dirty="0"/>
+          </a:p>
+        </p:txBody>
+      </p:sp>
+      <p:pic>
+        <p:nvPicPr>
+          <p:cNvPr id="4" name="內容版面配置區 3">
+            <a:extLst>
+              <a:ext uri="{FF2B5EF4-FFF2-40B4-BE49-F238E27FC236}">
+                <a16:creationId xmlns:a16="http://schemas.microsoft.com/office/drawing/2014/main" id="{855C8BDA-68E4-789C-D252-BEC3EE4DFE7B}"/>
+              </a:ext>
+            </a:extLst>
+          </p:cNvPr>
+          <p:cNvPicPr>
+            <a:picLocks noGrp="1" noChangeAspect="1"/>
+          </p:cNvPicPr>
+          <p:nvPr>
+            <p:ph idx="1"/>
+          </p:nvPr>
+        </p:nvPicPr>
+        <p:blipFill>
+          <a:blip r:embed="rId2" cstate="print">
+            <a:extLst>
+              <a:ext uri="{28A0092B-C50C-407E-A947-70E740481C1C}">
+                <a14:useLocalDpi xmlns:a14="http://schemas.microsoft.com/office/drawing/2010/main" val="0"/>
+              </a:ext>
+            </a:extLst>
+          </a:blip>
+          <a:stretch>
+            <a:fillRect/>
+          </a:stretch>
+        </p:blipFill>
+        <p:spPr>
+          <a:xfrm>
+            <a:off x="2567937" y="1201738"/>
+            <a:ext cx="7056126" cy="5037137"/>
+          </a:xfrm>
+          <a:prstGeom prst="rect">
+            <a:avLst/>
+          </a:prstGeom>
+          <a:ln w="19050">
+            <a:solidFill>
+              <a:srgbClr val="FF0000"/>
+            </a:solidFill>
+          </a:ln>
+        </p:spPr>
+      </p:pic>
+      <p:sp>
+        <p:nvSpPr>
+          <p:cNvPr id="5" name="橢圓 4">
+            <a:extLst>
+              <a:ext uri="{FF2B5EF4-FFF2-40B4-BE49-F238E27FC236}">
+                <a16:creationId xmlns:a16="http://schemas.microsoft.com/office/drawing/2014/main" id="{65B78862-363E-EC47-0F97-1B0E394C364E}"/>
+              </a:ext>
+            </a:extLst>
+          </p:cNvPr>
+          <p:cNvSpPr/>
+          <p:nvPr/>
+        </p:nvSpPr>
+        <p:spPr>
+          <a:xfrm>
+            <a:off x="4627984" y="3890865"/>
+            <a:ext cx="494522" cy="485192"/>
+          </a:xfrm>
+          <a:prstGeom prst="ellipse">
+            <a:avLst/>
+          </a:prstGeom>
+          <a:noFill/>
+          <a:ln w="19050">
+            <a:solidFill>
+              <a:srgbClr val="FF0000"/>
+            </a:solidFill>
+          </a:ln>
+        </p:spPr>
+        <p:style>
+          <a:lnRef idx="2">
+            <a:schemeClr val="accent1">
+              <a:shade val="15000"/>
+            </a:schemeClr>
+          </a:lnRef>
+          <a:fillRef idx="1">
+            <a:schemeClr val="accent1"/>
+          </a:fillRef>
+          <a:effectRef idx="0">
+            <a:schemeClr val="accent1"/>
+          </a:effectRef>
+          <a:fontRef idx="minor">
+            <a:schemeClr val="lt1"/>
+          </a:fontRef>
+        </p:style>
+        <p:txBody>
+          <a:bodyPr rtlCol="0" anchor="ctr"/>
+          <a:lstStyle/>
+          <a:p>
+            <a:pPr algn="ctr"/>
+            <a:endParaRPr lang="zh-TW" altLang="en-US">
+              <a:ln>
+                <a:solidFill>
+                  <a:schemeClr val="tx1"/>
+                </a:solidFill>
+              </a:ln>
+            </a:endParaRPr>
+          </a:p>
+        </p:txBody>
+      </p:sp>
+      <p:sp>
+        <p:nvSpPr>
+          <p:cNvPr id="6" name="橢圓 5">
+            <a:extLst>
+              <a:ext uri="{FF2B5EF4-FFF2-40B4-BE49-F238E27FC236}">
+                <a16:creationId xmlns:a16="http://schemas.microsoft.com/office/drawing/2014/main" id="{E4019FA2-32F1-DFD3-B2DF-E89231F9C0DA}"/>
+              </a:ext>
+            </a:extLst>
+          </p:cNvPr>
+          <p:cNvSpPr/>
+          <p:nvPr/>
+        </p:nvSpPr>
+        <p:spPr>
+          <a:xfrm>
+            <a:off x="6691141" y="3890865"/>
+            <a:ext cx="494522" cy="485192"/>
+          </a:xfrm>
+          <a:prstGeom prst="ellipse">
+            <a:avLst/>
+          </a:prstGeom>
+          <a:noFill/>
+          <a:ln w="19050">
+            <a:solidFill>
+              <a:srgbClr val="FF0000"/>
+            </a:solidFill>
+          </a:ln>
+        </p:spPr>
+        <p:style>
+          <a:lnRef idx="2">
+            <a:schemeClr val="accent1">
+              <a:shade val="15000"/>
+            </a:schemeClr>
+          </a:lnRef>
+          <a:fillRef idx="1">
+            <a:schemeClr val="accent1"/>
+          </a:fillRef>
+          <a:effectRef idx="0">
+            <a:schemeClr val="accent1"/>
+          </a:effectRef>
+          <a:fontRef idx="minor">
+            <a:schemeClr val="lt1"/>
+          </a:fontRef>
+        </p:style>
+        <p:txBody>
+          <a:bodyPr rtlCol="0" anchor="ctr"/>
+          <a:lstStyle/>
+          <a:p>
+            <a:pPr algn="ctr"/>
+            <a:endParaRPr lang="zh-TW" altLang="en-US">
+              <a:ln>
+                <a:solidFill>
+                  <a:schemeClr val="tx1"/>
+                </a:solidFill>
+              </a:ln>
+            </a:endParaRPr>
+          </a:p>
+        </p:txBody>
+      </p:sp>
+      <p:sp>
+        <p:nvSpPr>
+          <p:cNvPr id="8" name="文字方塊 7">
+            <a:extLst>
+              <a:ext uri="{FF2B5EF4-FFF2-40B4-BE49-F238E27FC236}">
+                <a16:creationId xmlns:a16="http://schemas.microsoft.com/office/drawing/2014/main" id="{269FCEC7-9C9E-E23B-9748-D6550A5B6E13}"/>
+              </a:ext>
+            </a:extLst>
+          </p:cNvPr>
+          <p:cNvSpPr txBox="1"/>
+          <p:nvPr/>
+        </p:nvSpPr>
+        <p:spPr>
+          <a:xfrm>
+            <a:off x="6570389" y="3909526"/>
+            <a:ext cx="736026" cy="369332"/>
+          </a:xfrm>
+          <a:prstGeom prst="rect">
+            <a:avLst/>
+          </a:prstGeom>
+          <a:noFill/>
+        </p:spPr>
+        <p:txBody>
+          <a:bodyPr wrap="square" rtlCol="0">
+            <a:spAutoFit/>
+          </a:bodyPr>
+          <a:lstStyle/>
+          <a:p>
+            <a:r>
+              <a:rPr lang="zh-TW" altLang="en-US" dirty="0">
+                <a:latin typeface="標楷體" panose="03000509000000000000" pitchFamily="65" charset="-120"/>
+                <a:ea typeface="標楷體" panose="03000509000000000000" pitchFamily="65" charset="-120"/>
+              </a:rPr>
+              <a:t>復位</a:t>
+            </a:r>
+          </a:p>
+        </p:txBody>
+      </p:sp>
+      <p:sp>
+        <p:nvSpPr>
+          <p:cNvPr id="10" name="文字方塊 9">
+            <a:extLst>
+              <a:ext uri="{FF2B5EF4-FFF2-40B4-BE49-F238E27FC236}">
+                <a16:creationId xmlns:a16="http://schemas.microsoft.com/office/drawing/2014/main" id="{C1CBA4FA-C1F6-65B9-9756-B8BFE4EC8AE8}"/>
+              </a:ext>
+            </a:extLst>
+          </p:cNvPr>
+          <p:cNvSpPr txBox="1"/>
+          <p:nvPr/>
+        </p:nvSpPr>
+        <p:spPr>
+          <a:xfrm>
+            <a:off x="4507232" y="3909526"/>
+            <a:ext cx="736026" cy="369332"/>
+          </a:xfrm>
+          <a:prstGeom prst="rect">
+            <a:avLst/>
+          </a:prstGeom>
+          <a:noFill/>
+        </p:spPr>
+        <p:txBody>
+          <a:bodyPr wrap="square" rtlCol="0">
+            <a:spAutoFit/>
+          </a:bodyPr>
+          <a:lstStyle/>
+          <a:p>
+            <a:r>
+              <a:rPr lang="zh-TW" altLang="en-US" dirty="0">
+                <a:latin typeface="標楷體" panose="03000509000000000000" pitchFamily="65" charset="-120"/>
+                <a:ea typeface="標楷體" panose="03000509000000000000" pitchFamily="65" charset="-120"/>
+              </a:rPr>
+              <a:t>復位</a:t>
+            </a:r>
+          </a:p>
+        </p:txBody>
+      </p:sp>
+    </p:spTree>
+    <p:extLst>
+      <p:ext uri="{BB962C8B-B14F-4D97-AF65-F5344CB8AC3E}">
+        <p14:creationId xmlns:p14="http://schemas.microsoft.com/office/powerpoint/2010/main" val="2150109000"/>
+      </p:ext>
+    </p:extLst>
+  </p:cSld>
+  <p:clrMapOvr>
+    <a:masterClrMapping/>
+  </p:clrMapOvr>
+</p:sld>
+</file>
+
+<file path=ppt/slides/slide13.xml><?xml version="1.0" encoding="utf-8"?>
+<p:sld xmlns:a="http://schemas.openxmlformats.org/drawingml/2006/main" xmlns:r="http://schemas.openxmlformats.org/officeDocument/2006/relationships" xmlns:p="http://schemas.openxmlformats.org/presentationml/2006/main">
+  <p:cSld>
+    <p:spTree>
+      <p:nvGrpSpPr>
+        <p:cNvPr id="1" name=""/>
+        <p:cNvGrpSpPr/>
+        <p:nvPr/>
+      </p:nvGrpSpPr>
+      <p:grpSpPr>
+        <a:xfrm>
+          <a:off x="0" y="0"/>
+          <a:ext cx="0" cy="0"/>
+          <a:chOff x="0" y="0"/>
+          <a:chExt cx="0" cy="0"/>
+        </a:xfrm>
+      </p:grpSpPr>
+      <p:pic>
+        <p:nvPicPr>
+          <p:cNvPr id="5" name="內容版面配置區 4">
+            <a:extLst>
+              <a:ext uri="{FF2B5EF4-FFF2-40B4-BE49-F238E27FC236}">
+                <a16:creationId xmlns:a16="http://schemas.microsoft.com/office/drawing/2014/main" id="{2A7DE076-8634-6E87-9C0B-3F41779D2CEE}"/>
+              </a:ext>
+            </a:extLst>
+          </p:cNvPr>
+          <p:cNvPicPr>
+            <a:picLocks noGrp="1" noChangeAspect="1"/>
+          </p:cNvPicPr>
+          <p:nvPr>
+            <p:ph idx="1"/>
+          </p:nvPr>
+        </p:nvPicPr>
+        <p:blipFill>
+          <a:blip r:embed="rId2"/>
+          <a:stretch>
+            <a:fillRect/>
+          </a:stretch>
+        </p:blipFill>
+        <p:spPr>
+          <a:xfrm>
+            <a:off x="838200" y="1391314"/>
+            <a:ext cx="5468113" cy="4639322"/>
+          </a:xfrm>
+        </p:spPr>
+      </p:pic>
+      <p:sp>
+        <p:nvSpPr>
+          <p:cNvPr id="3" name="標題 2">
+            <a:extLst>
+              <a:ext uri="{FF2B5EF4-FFF2-40B4-BE49-F238E27FC236}">
+                <a16:creationId xmlns:a16="http://schemas.microsoft.com/office/drawing/2014/main" id="{C3C9F8DD-1DB4-D5F8-60B8-021927B37E81}"/>
+              </a:ext>
+            </a:extLst>
+          </p:cNvPr>
+          <p:cNvSpPr>
+            <a:spLocks noGrp="1"/>
+          </p:cNvSpPr>
+          <p:nvPr>
+            <p:ph type="title"/>
+          </p:nvPr>
+        </p:nvSpPr>
+        <p:spPr/>
+        <p:txBody>
+          <a:bodyPr/>
+          <a:lstStyle/>
+          <a:p>
+            <a:r>
+              <a:rPr lang="zh-TW" altLang="en-US" dirty="0"/>
+              <a:t>程式片段</a:t>
+            </a:r>
+          </a:p>
+        </p:txBody>
+      </p:sp>
+      <p:sp>
+        <p:nvSpPr>
+          <p:cNvPr id="6" name="文字方塊 5">
+            <a:extLst>
+              <a:ext uri="{FF2B5EF4-FFF2-40B4-BE49-F238E27FC236}">
+                <a16:creationId xmlns:a16="http://schemas.microsoft.com/office/drawing/2014/main" id="{B4904FC2-8F68-D573-2458-32833A6B747B}"/>
+              </a:ext>
+            </a:extLst>
+          </p:cNvPr>
+          <p:cNvSpPr txBox="1"/>
+          <p:nvPr/>
+        </p:nvSpPr>
+        <p:spPr>
+          <a:xfrm>
+            <a:off x="6441264" y="1391314"/>
+            <a:ext cx="4912536" cy="2031325"/>
+          </a:xfrm>
+          <a:prstGeom prst="rect">
+            <a:avLst/>
+          </a:prstGeom>
+          <a:noFill/>
+        </p:spPr>
+        <p:txBody>
+          <a:bodyPr wrap="square" rtlCol="0">
+            <a:spAutoFit/>
+          </a:bodyPr>
+          <a:lstStyle/>
+          <a:p>
+            <a:pPr marL="285750" indent="-285750">
+              <a:buFont typeface="Arial" panose="020B0604020202020204" pitchFamily="34" charset="0"/>
+              <a:buChar char="•"/>
+            </a:pPr>
+            <a:r>
+              <a:rPr lang="zh-TW" altLang="en-US" dirty="0">
+                <a:latin typeface="Times New Roman" panose="02020603050405020304" pitchFamily="18" charset="0"/>
+                <a:ea typeface="標楷體" panose="03000509000000000000" pitchFamily="65" charset="-120"/>
+                <a:cs typeface="Times New Roman" panose="02020603050405020304" pitchFamily="18" charset="0"/>
+              </a:rPr>
+              <a:t>我直接多寫兩個狀態讓球復位，不過這種方法是在低速</a:t>
+            </a:r>
+            <a:r>
+              <a:rPr lang="en-US" altLang="zh-TW" dirty="0" err="1">
+                <a:latin typeface="Times New Roman" panose="02020603050405020304" pitchFamily="18" charset="0"/>
+                <a:ea typeface="標楷體" panose="03000509000000000000" pitchFamily="65" charset="-120"/>
+                <a:cs typeface="Times New Roman" panose="02020603050405020304" pitchFamily="18" charset="0"/>
+              </a:rPr>
+              <a:t>clk</a:t>
+            </a:r>
+            <a:endParaRPr lang="en-US" altLang="zh-TW" dirty="0">
+              <a:latin typeface="Times New Roman" panose="02020603050405020304" pitchFamily="18" charset="0"/>
+              <a:ea typeface="標楷體" panose="03000509000000000000" pitchFamily="65" charset="-120"/>
+              <a:cs typeface="Times New Roman" panose="02020603050405020304" pitchFamily="18" charset="0"/>
+            </a:endParaRPr>
+          </a:p>
+          <a:p>
+            <a:pPr marL="285750" indent="-285750">
+              <a:buFont typeface="Arial" panose="020B0604020202020204" pitchFamily="34" charset="0"/>
+              <a:buChar char="•"/>
+            </a:pPr>
+            <a:r>
+              <a:rPr lang="zh-TW" altLang="en-US" dirty="0">
+                <a:latin typeface="Times New Roman" panose="02020603050405020304" pitchFamily="18" charset="0"/>
+                <a:ea typeface="標楷體" panose="03000509000000000000" pitchFamily="65" charset="-120"/>
+                <a:cs typeface="Times New Roman" panose="02020603050405020304" pitchFamily="18" charset="0"/>
+              </a:rPr>
+              <a:t>還有一種是利用高速</a:t>
+            </a:r>
+            <a:r>
+              <a:rPr lang="en-US" altLang="zh-TW" dirty="0" err="1">
+                <a:latin typeface="Times New Roman" panose="02020603050405020304" pitchFamily="18" charset="0"/>
+                <a:ea typeface="標楷體" panose="03000509000000000000" pitchFamily="65" charset="-120"/>
+                <a:cs typeface="Times New Roman" panose="02020603050405020304" pitchFamily="18" charset="0"/>
+              </a:rPr>
+              <a:t>clk</a:t>
+            </a:r>
+            <a:r>
+              <a:rPr lang="zh-TW" altLang="en-US" dirty="0">
+                <a:latin typeface="Times New Roman" panose="02020603050405020304" pitchFamily="18" charset="0"/>
+                <a:ea typeface="標楷體" panose="03000509000000000000" pitchFamily="65" charset="-120"/>
+                <a:cs typeface="Times New Roman" panose="02020603050405020304" pitchFamily="18" charset="0"/>
+              </a:rPr>
+              <a:t>來做，就是再多寫一個</a:t>
+            </a:r>
+            <a:r>
+              <a:rPr lang="en-US" altLang="zh-TW" dirty="0">
+                <a:latin typeface="Times New Roman" panose="02020603050405020304" pitchFamily="18" charset="0"/>
+                <a:ea typeface="標楷體" panose="03000509000000000000" pitchFamily="65" charset="-120"/>
+                <a:cs typeface="Times New Roman" panose="02020603050405020304" pitchFamily="18" charset="0"/>
+              </a:rPr>
+              <a:t> process </a:t>
+            </a:r>
+            <a:r>
+              <a:rPr lang="zh-TW" altLang="en-US" dirty="0">
+                <a:latin typeface="Times New Roman" panose="02020603050405020304" pitchFamily="18" charset="0"/>
+                <a:ea typeface="標楷體" panose="03000509000000000000" pitchFamily="65" charset="-120"/>
+                <a:cs typeface="Times New Roman" panose="02020603050405020304" pitchFamily="18" charset="0"/>
+              </a:rPr>
+              <a:t>裡面控制 </a:t>
+            </a:r>
+            <a:r>
+              <a:rPr lang="en-US" altLang="zh-TW" dirty="0">
+                <a:latin typeface="Times New Roman" panose="02020603050405020304" pitchFamily="18" charset="0"/>
+                <a:ea typeface="標楷體" panose="03000509000000000000" pitchFamily="65" charset="-120"/>
+                <a:cs typeface="Times New Roman" panose="02020603050405020304" pitchFamily="18" charset="0"/>
+              </a:rPr>
+              <a:t>mask</a:t>
+            </a:r>
+            <a:r>
+              <a:rPr lang="zh-TW" altLang="en-US" dirty="0">
+                <a:latin typeface="Times New Roman" panose="02020603050405020304" pitchFamily="18" charset="0"/>
+                <a:ea typeface="標楷體" panose="03000509000000000000" pitchFamily="65" charset="-120"/>
+                <a:cs typeface="Times New Roman" panose="02020603050405020304" pitchFamily="18" charset="0"/>
+              </a:rPr>
+              <a:t> 與 </a:t>
+            </a:r>
+            <a:r>
+              <a:rPr lang="en-US" altLang="zh-TW" dirty="0">
+                <a:latin typeface="Times New Roman" panose="02020603050405020304" pitchFamily="18" charset="0"/>
+                <a:ea typeface="標楷體" panose="03000509000000000000" pitchFamily="65" charset="-120"/>
+                <a:cs typeface="Times New Roman" panose="02020603050405020304" pitchFamily="18" charset="0"/>
+              </a:rPr>
+              <a:t>ball </a:t>
+            </a:r>
+            <a:r>
+              <a:rPr lang="zh-TW" altLang="en-US" dirty="0">
+                <a:latin typeface="Times New Roman" panose="02020603050405020304" pitchFamily="18" charset="0"/>
+                <a:ea typeface="標楷體" panose="03000509000000000000" pitchFamily="65" charset="-120"/>
+                <a:cs typeface="Times New Roman" panose="02020603050405020304" pitchFamily="18" charset="0"/>
+              </a:rPr>
+              <a:t>去做邏輯運算，讓球復位，在前一狀態就先把球復位，符合米粒機</a:t>
+            </a:r>
+            <a:endParaRPr lang="en-US" altLang="zh-TW" dirty="0"/>
+          </a:p>
+          <a:p>
+            <a:pPr marL="285750" indent="-285750">
+              <a:buFont typeface="Arial" panose="020B0604020202020204" pitchFamily="34" charset="0"/>
+              <a:buChar char="•"/>
+            </a:pPr>
+            <a:endParaRPr lang="zh-TW" altLang="en-US" dirty="0"/>
+          </a:p>
+        </p:txBody>
+      </p:sp>
+    </p:spTree>
+    <p:extLst>
+      <p:ext uri="{BB962C8B-B14F-4D97-AF65-F5344CB8AC3E}">
+        <p14:creationId xmlns:p14="http://schemas.microsoft.com/office/powerpoint/2010/main" val="4107515461"/>
+      </p:ext>
+    </p:extLst>
+  </p:cSld>
+  <p:clrMapOvr>
+    <a:masterClrMapping/>
+  </p:clrMapOvr>
+</p:sld>
+</file>
+
 <file path=ppt/slides/slide2.xml><?xml version="1.0" encoding="utf-8"?>
 <p:sld xmlns:a="http://schemas.openxmlformats.org/drawingml/2006/main" xmlns:r="http://schemas.openxmlformats.org/officeDocument/2006/relationships" xmlns:p="http://schemas.openxmlformats.org/presentationml/2006/main">
   <p:cSld>
@@ -7075,7 +7606,7 @@
         <p:spPr>
           <a:xfrm>
             <a:off x="5060332" y="1303621"/>
-            <a:ext cx="6293467" cy="2585323"/>
+            <a:ext cx="6293467" cy="3416320"/>
           </a:xfrm>
           <a:prstGeom prst="rect">
             <a:avLst/>
@@ -7209,7 +7740,130 @@
                 <a:ea typeface="標楷體" panose="03000509000000000000" pitchFamily="65" charset="-120"/>
                 <a:cs typeface="Times New Roman" panose="02020603050405020304" pitchFamily="18" charset="0"/>
               </a:rPr>
-              <a:t>計分狀態時按按鈕可以顯示分數</a:t>
+              <a:t>可以用米粒機，前一狀態就先改變，但因為這裡使用的是低速的 </a:t>
+            </a:r>
+            <a:r>
+              <a:rPr lang="en-US" altLang="zh-TW" dirty="0" err="1">
+                <a:latin typeface="Times New Roman" panose="02020603050405020304" pitchFamily="18" charset="0"/>
+                <a:ea typeface="標楷體" panose="03000509000000000000" pitchFamily="65" charset="-120"/>
+                <a:cs typeface="Times New Roman" panose="02020603050405020304" pitchFamily="18" charset="0"/>
+              </a:rPr>
+              <a:t>clk</a:t>
+            </a:r>
+            <a:r>
+              <a:rPr lang="en-US" altLang="zh-TW" dirty="0">
+                <a:latin typeface="Times New Roman" panose="02020603050405020304" pitchFamily="18" charset="0"/>
+                <a:ea typeface="標楷體" panose="03000509000000000000" pitchFamily="65" charset="-120"/>
+                <a:cs typeface="Times New Roman" panose="02020603050405020304" pitchFamily="18" charset="0"/>
+              </a:rPr>
+              <a:t> </a:t>
+            </a:r>
+            <a:r>
+              <a:rPr lang="zh-TW" altLang="en-US" dirty="0">
+                <a:latin typeface="Times New Roman" panose="02020603050405020304" pitchFamily="18" charset="0"/>
+                <a:ea typeface="標楷體" panose="03000509000000000000" pitchFamily="65" charset="-120"/>
+                <a:cs typeface="Times New Roman" panose="02020603050405020304" pitchFamily="18" charset="0"/>
+              </a:rPr>
+              <a:t>，所以還是會有 </a:t>
+            </a:r>
+            <a:r>
+              <a:rPr lang="en-US" altLang="zh-TW" dirty="0">
+                <a:latin typeface="Times New Roman" panose="02020603050405020304" pitchFamily="18" charset="0"/>
+                <a:ea typeface="標楷體" panose="03000509000000000000" pitchFamily="65" charset="-120"/>
+                <a:cs typeface="Times New Roman" panose="02020603050405020304" pitchFamily="18" charset="0"/>
+              </a:rPr>
+              <a:t>bug </a:t>
+            </a:r>
+            <a:r>
+              <a:rPr lang="zh-TW" altLang="en-US" dirty="0">
+                <a:latin typeface="Times New Roman" panose="02020603050405020304" pitchFamily="18" charset="0"/>
+                <a:ea typeface="標楷體" panose="03000509000000000000" pitchFamily="65" charset="-120"/>
+                <a:cs typeface="Times New Roman" panose="02020603050405020304" pitchFamily="18" charset="0"/>
+              </a:rPr>
+              <a:t>，因為 </a:t>
+            </a:r>
+            <a:r>
+              <a:rPr lang="en-US" altLang="zh-TW" dirty="0" err="1">
+                <a:latin typeface="Times New Roman" panose="02020603050405020304" pitchFamily="18" charset="0"/>
+                <a:ea typeface="標楷體" panose="03000509000000000000" pitchFamily="65" charset="-120"/>
+                <a:cs typeface="Times New Roman" panose="02020603050405020304" pitchFamily="18" charset="0"/>
+              </a:rPr>
+              <a:t>fsm</a:t>
+            </a:r>
+            <a:r>
+              <a:rPr lang="en-US" altLang="zh-TW" dirty="0">
+                <a:latin typeface="Times New Roman" panose="02020603050405020304" pitchFamily="18" charset="0"/>
+                <a:ea typeface="標楷體" panose="03000509000000000000" pitchFamily="65" charset="-120"/>
+                <a:cs typeface="Times New Roman" panose="02020603050405020304" pitchFamily="18" charset="0"/>
+              </a:rPr>
+              <a:t> </a:t>
+            </a:r>
+            <a:r>
+              <a:rPr lang="zh-TW" altLang="en-US" dirty="0">
+                <a:latin typeface="Times New Roman" panose="02020603050405020304" pitchFamily="18" charset="0"/>
+                <a:ea typeface="標楷體" panose="03000509000000000000" pitchFamily="65" charset="-120"/>
+                <a:cs typeface="Times New Roman" panose="02020603050405020304" pitchFamily="18" charset="0"/>
+              </a:rPr>
+              <a:t>高速 </a:t>
+            </a:r>
+            <a:r>
+              <a:rPr lang="en-US" altLang="zh-TW" dirty="0" err="1">
+                <a:latin typeface="Times New Roman" panose="02020603050405020304" pitchFamily="18" charset="0"/>
+                <a:ea typeface="標楷體" panose="03000509000000000000" pitchFamily="65" charset="-120"/>
+                <a:cs typeface="Times New Roman" panose="02020603050405020304" pitchFamily="18" charset="0"/>
+              </a:rPr>
+              <a:t>clk</a:t>
+            </a:r>
+            <a:r>
+              <a:rPr lang="zh-TW" altLang="en-US" dirty="0">
+                <a:latin typeface="Times New Roman" panose="02020603050405020304" pitchFamily="18" charset="0"/>
+                <a:ea typeface="標楷體" panose="03000509000000000000" pitchFamily="65" charset="-120"/>
+                <a:cs typeface="Times New Roman" panose="02020603050405020304" pitchFamily="18" charset="0"/>
+              </a:rPr>
+              <a:t> 的關係在還沒判斷就進入下一狀態了，低速的 </a:t>
+            </a:r>
+            <a:r>
+              <a:rPr lang="en-US" altLang="zh-TW" dirty="0" err="1">
+                <a:latin typeface="Times New Roman" panose="02020603050405020304" pitchFamily="18" charset="0"/>
+                <a:ea typeface="標楷體" panose="03000509000000000000" pitchFamily="65" charset="-120"/>
+                <a:cs typeface="Times New Roman" panose="02020603050405020304" pitchFamily="18" charset="0"/>
+              </a:rPr>
+              <a:t>clk</a:t>
+            </a:r>
+            <a:r>
+              <a:rPr lang="en-US" altLang="zh-TW" dirty="0">
+                <a:latin typeface="Times New Roman" panose="02020603050405020304" pitchFamily="18" charset="0"/>
+                <a:ea typeface="標楷體" panose="03000509000000000000" pitchFamily="65" charset="-120"/>
+                <a:cs typeface="Times New Roman" panose="02020603050405020304" pitchFamily="18" charset="0"/>
+              </a:rPr>
+              <a:t> </a:t>
+            </a:r>
+            <a:r>
+              <a:rPr lang="zh-TW" altLang="en-US" dirty="0">
+                <a:latin typeface="Times New Roman" panose="02020603050405020304" pitchFamily="18" charset="0"/>
+                <a:ea typeface="標楷體" panose="03000509000000000000" pitchFamily="65" charset="-120"/>
+                <a:cs typeface="Times New Roman" panose="02020603050405020304" pitchFamily="18" charset="0"/>
+              </a:rPr>
+              <a:t>來不及</a:t>
+            </a:r>
+            <a:endParaRPr lang="en-US" altLang="zh-TW" dirty="0">
+              <a:latin typeface="Times New Roman" panose="02020603050405020304" pitchFamily="18" charset="0"/>
+              <a:ea typeface="標楷體" panose="03000509000000000000" pitchFamily="65" charset="-120"/>
+              <a:cs typeface="Times New Roman" panose="02020603050405020304" pitchFamily="18" charset="0"/>
+            </a:endParaRPr>
+          </a:p>
+          <a:p>
+            <a:pPr marL="285750" indent="-285750">
+              <a:buFont typeface="Arial" panose="020B0604020202020204" pitchFamily="34" charset="0"/>
+              <a:buChar char="•"/>
+            </a:pPr>
+            <a:r>
+              <a:rPr lang="zh-TW" altLang="en-US" dirty="0">
+                <a:latin typeface="Times New Roman" panose="02020603050405020304" pitchFamily="18" charset="0"/>
+                <a:ea typeface="標楷體" panose="03000509000000000000" pitchFamily="65" charset="-120"/>
+                <a:cs typeface="Times New Roman" panose="02020603050405020304" pitchFamily="18" charset="0"/>
+              </a:rPr>
+              <a:t>所以我用的方法為計分狀態時按按鈕可以顯示分數</a:t>
             </a:r>
             <a:endParaRPr lang="en-US" altLang="zh-TW" dirty="0">
               <a:latin typeface="Times New Roman" panose="02020603050405020304" pitchFamily="18" charset="0"/>
